--- a/Presentations/Password Security.pptx
+++ b/Presentations/Password Security.pptx
@@ -111,6 +111,11 @@
       </a:defRPr>
     </a:lvl9pPr>
   </p:defaultTextStyle>
+  <p:extLst>
+    <p:ext uri="{EFAFB233-063F-42B5-8137-9DF3F51BA10A}">
+      <p15:sldGuideLst xmlns:p15="http://schemas.microsoft.com/office/powerpoint/2012/main"/>
+    </p:ext>
+  </p:extLst>
 </p:presentation>
 </file>
 
@@ -2981,7 +2986,7 @@
             <a:fld id="{5586B75A-687E-405C-8A0B-8D00578BA2C3}" type="datetimeFigureOut">
               <a:rPr lang="en-US" dirty="0"/>
               <a:pPr/>
-              <a:t>3/13/22</a:t>
+              <a:t>4/3/22</a:t>
             </a:fld>
             <a:endParaRPr lang="en-US" dirty="0"/>
           </a:p>
@@ -3148,7 +3153,7 @@
             <a:fld id="{5586B75A-687E-405C-8A0B-8D00578BA2C3}" type="datetimeFigureOut">
               <a:rPr lang="en-US" dirty="0"/>
               <a:pPr/>
-              <a:t>3/13/22</a:t>
+              <a:t>4/3/22</a:t>
             </a:fld>
             <a:endParaRPr lang="en-US" dirty="0"/>
           </a:p>
@@ -3325,7 +3330,7 @@
             <a:fld id="{5586B75A-687E-405C-8A0B-8D00578BA2C3}" type="datetimeFigureOut">
               <a:rPr lang="en-US" dirty="0"/>
               <a:pPr/>
-              <a:t>3/13/22</a:t>
+              <a:t>4/3/22</a:t>
             </a:fld>
             <a:endParaRPr lang="en-US" dirty="0"/>
           </a:p>
@@ -3492,7 +3497,7 @@
             <a:fld id="{5586B75A-687E-405C-8A0B-8D00578BA2C3}" type="datetimeFigureOut">
               <a:rPr lang="en-US" dirty="0"/>
               <a:pPr/>
-              <a:t>3/13/22</a:t>
+              <a:t>4/3/22</a:t>
             </a:fld>
             <a:endParaRPr lang="en-US" dirty="0"/>
           </a:p>
@@ -3747,7 +3752,7 @@
             <a:fld id="{5586B75A-687E-405C-8A0B-8D00578BA2C3}" type="datetimeFigureOut">
               <a:rPr lang="en-US" dirty="0"/>
               <a:pPr/>
-              <a:t>3/13/22</a:t>
+              <a:t>4/3/22</a:t>
             </a:fld>
             <a:endParaRPr lang="en-US" dirty="0"/>
           </a:p>
@@ -4032,7 +4037,7 @@
             <a:fld id="{5586B75A-687E-405C-8A0B-8D00578BA2C3}" type="datetimeFigureOut">
               <a:rPr lang="en-US" dirty="0"/>
               <a:pPr/>
-              <a:t>3/13/22</a:t>
+              <a:t>4/3/22</a:t>
             </a:fld>
             <a:endParaRPr lang="en-US" dirty="0"/>
           </a:p>
@@ -4471,7 +4476,7 @@
             <a:fld id="{5586B75A-687E-405C-8A0B-8D00578BA2C3}" type="datetimeFigureOut">
               <a:rPr lang="en-US" dirty="0"/>
               <a:pPr/>
-              <a:t>3/13/22</a:t>
+              <a:t>4/3/22</a:t>
             </a:fld>
             <a:endParaRPr lang="en-US" dirty="0"/>
           </a:p>
@@ -4586,7 +4591,7 @@
             <a:fld id="{5586B75A-687E-405C-8A0B-8D00578BA2C3}" type="datetimeFigureOut">
               <a:rPr lang="en-US" dirty="0"/>
               <a:pPr/>
-              <a:t>3/13/22</a:t>
+              <a:t>4/3/22</a:t>
             </a:fld>
             <a:endParaRPr lang="en-US" dirty="0"/>
           </a:p>
@@ -4678,7 +4683,7 @@
             <a:fld id="{5586B75A-687E-405C-8A0B-8D00578BA2C3}" type="datetimeFigureOut">
               <a:rPr lang="en-US" dirty="0"/>
               <a:pPr/>
-              <a:t>3/13/22</a:t>
+              <a:t>4/3/22</a:t>
             </a:fld>
             <a:endParaRPr lang="en-US" dirty="0"/>
           </a:p>
@@ -4963,7 +4968,7 @@
             <a:fld id="{5586B75A-687E-405C-8A0B-8D00578BA2C3}" type="datetimeFigureOut">
               <a:rPr lang="en-US" dirty="0"/>
               <a:pPr/>
-              <a:t>3/13/22</a:t>
+              <a:t>4/3/22</a:t>
             </a:fld>
             <a:endParaRPr lang="en-US" dirty="0"/>
           </a:p>
@@ -5233,7 +5238,7 @@
             <a:fld id="{5586B75A-687E-405C-8A0B-8D00578BA2C3}" type="datetimeFigureOut">
               <a:rPr lang="en-US" dirty="0"/>
               <a:pPr/>
-              <a:t>3/13/22</a:t>
+              <a:t>4/3/22</a:t>
             </a:fld>
             <a:endParaRPr lang="en-US" dirty="0"/>
           </a:p>
@@ -5527,7 +5532,7 @@
             <a:fld id="{5586B75A-687E-405C-8A0B-8D00578BA2C3}" type="datetimeFigureOut">
               <a:rPr lang="en-US" dirty="0"/>
               <a:pPr/>
-              <a:t>3/13/22</a:t>
+              <a:t>4/3/22</a:t>
             </a:fld>
             <a:endParaRPr lang="en-US" dirty="0"/>
           </a:p>
@@ -6695,6 +6700,49 @@
           </a:p>
         </p:txBody>
       </p:sp>
+      <p:sp>
+        <p:nvSpPr>
+          <p:cNvPr id="4" name="TextBox 3">
+            <a:extLst>
+              <a:ext uri="{FF2B5EF4-FFF2-40B4-BE49-F238E27FC236}">
+                <a16:creationId xmlns:a16="http://schemas.microsoft.com/office/drawing/2014/main" id="{F8057D14-D926-BD46-B152-6FDF1309C891}"/>
+              </a:ext>
+            </a:extLst>
+          </p:cNvPr>
+          <p:cNvSpPr txBox="1"/>
+          <p:nvPr/>
+        </p:nvSpPr>
+        <p:spPr>
+          <a:xfrm>
+            <a:off x="-20" y="6570526"/>
+            <a:ext cx="12192000" cy="246221"/>
+          </a:xfrm>
+          <a:prstGeom prst="rect">
+            <a:avLst/>
+          </a:prstGeom>
+          <a:noFill/>
+        </p:spPr>
+        <p:txBody>
+          <a:bodyPr wrap="square" rtlCol="0">
+            <a:spAutoFit/>
+          </a:bodyPr>
+          <a:lstStyle/>
+          <a:p>
+            <a:r>
+              <a:rPr lang="en-US" sz="1000" dirty="0"/>
+              <a:t>https://</a:t>
+            </a:r>
+            <a:r>
+              <a:rPr lang="en-US" sz="1000" dirty="0" err="1"/>
+              <a:t>www.securedatarecovery.com</a:t>
+            </a:r>
+            <a:r>
+              <a:rPr lang="en-US" sz="1000" dirty="0"/>
+              <a:t>/resources/the-importance-of-strong-secure-passwords</a:t>
+            </a:r>
+          </a:p>
+        </p:txBody>
+      </p:sp>
     </p:spTree>
     <p:extLst>
       <p:ext uri="{BB962C8B-B14F-4D97-AF65-F5344CB8AC3E}">
@@ -6967,6 +7015,49 @@
           </a:p>
         </p:txBody>
       </p:sp>
+      <p:sp>
+        <p:nvSpPr>
+          <p:cNvPr id="6" name="TextBox 5">
+            <a:extLst>
+              <a:ext uri="{FF2B5EF4-FFF2-40B4-BE49-F238E27FC236}">
+                <a16:creationId xmlns:a16="http://schemas.microsoft.com/office/drawing/2014/main" id="{80B1F02B-989E-F64F-8B96-E310AF5D53BF}"/>
+              </a:ext>
+            </a:extLst>
+          </p:cNvPr>
+          <p:cNvSpPr txBox="1"/>
+          <p:nvPr/>
+        </p:nvSpPr>
+        <p:spPr>
+          <a:xfrm>
+            <a:off x="-20" y="6570526"/>
+            <a:ext cx="12192000" cy="246221"/>
+          </a:xfrm>
+          <a:prstGeom prst="rect">
+            <a:avLst/>
+          </a:prstGeom>
+          <a:noFill/>
+        </p:spPr>
+        <p:txBody>
+          <a:bodyPr wrap="square" rtlCol="0">
+            <a:spAutoFit/>
+          </a:bodyPr>
+          <a:lstStyle/>
+          <a:p>
+            <a:r>
+              <a:rPr lang="en-US" sz="1000" dirty="0"/>
+              <a:t>https://</a:t>
+            </a:r>
+            <a:r>
+              <a:rPr lang="en-US" sz="1000" dirty="0" err="1"/>
+              <a:t>www.cisa.gov</a:t>
+            </a:r>
+            <a:r>
+              <a:rPr lang="en-US" sz="1000" dirty="0"/>
+              <a:t>/sites/default/files/publications/NCSAM_CreatingPasswords_2020.pdf</a:t>
+            </a:r>
+          </a:p>
+        </p:txBody>
+      </p:sp>
     </p:spTree>
     <p:extLst>
       <p:ext uri="{BB962C8B-B14F-4D97-AF65-F5344CB8AC3E}">
@@ -7262,6 +7353,49 @@
           </a:p>
         </p:txBody>
       </p:sp>
+      <p:sp>
+        <p:nvSpPr>
+          <p:cNvPr id="6" name="TextBox 5">
+            <a:extLst>
+              <a:ext uri="{FF2B5EF4-FFF2-40B4-BE49-F238E27FC236}">
+                <a16:creationId xmlns:a16="http://schemas.microsoft.com/office/drawing/2014/main" id="{24E39912-8865-A244-9C80-65126513266A}"/>
+              </a:ext>
+            </a:extLst>
+          </p:cNvPr>
+          <p:cNvSpPr txBox="1"/>
+          <p:nvPr/>
+        </p:nvSpPr>
+        <p:spPr>
+          <a:xfrm>
+            <a:off x="-20" y="6570526"/>
+            <a:ext cx="12192000" cy="246221"/>
+          </a:xfrm>
+          <a:prstGeom prst="rect">
+            <a:avLst/>
+          </a:prstGeom>
+          <a:noFill/>
+        </p:spPr>
+        <p:txBody>
+          <a:bodyPr wrap="square" rtlCol="0">
+            <a:spAutoFit/>
+          </a:bodyPr>
+          <a:lstStyle/>
+          <a:p>
+            <a:r>
+              <a:rPr lang="en-US" sz="1000" dirty="0"/>
+              <a:t>https://</a:t>
+            </a:r>
+            <a:r>
+              <a:rPr lang="en-US" sz="1000" dirty="0" err="1"/>
+              <a:t>www.cisa.gov</a:t>
+            </a:r>
+            <a:r>
+              <a:rPr lang="en-US" sz="1000" dirty="0"/>
+              <a:t>/sites/default/files/publications/NCSAM_CreatingPasswords_2020.pdf</a:t>
+            </a:r>
+          </a:p>
+        </p:txBody>
+      </p:sp>
     </p:spTree>
     <p:extLst>
       <p:ext uri="{BB962C8B-B14F-4D97-AF65-F5344CB8AC3E}">
@@ -7538,6 +7672,49 @@
                 </a:solidFill>
               </a:rPr>
               <a:t>Attacker gets access to one, they get access to all with the same password</a:t>
+            </a:r>
+          </a:p>
+        </p:txBody>
+      </p:sp>
+      <p:sp>
+        <p:nvSpPr>
+          <p:cNvPr id="6" name="TextBox 5">
+            <a:extLst>
+              <a:ext uri="{FF2B5EF4-FFF2-40B4-BE49-F238E27FC236}">
+                <a16:creationId xmlns:a16="http://schemas.microsoft.com/office/drawing/2014/main" id="{635517EF-8494-204D-924D-0E30CD0BDB55}"/>
+              </a:ext>
+            </a:extLst>
+          </p:cNvPr>
+          <p:cNvSpPr txBox="1"/>
+          <p:nvPr/>
+        </p:nvSpPr>
+        <p:spPr>
+          <a:xfrm>
+            <a:off x="-20" y="6570526"/>
+            <a:ext cx="12192000" cy="246221"/>
+          </a:xfrm>
+          <a:prstGeom prst="rect">
+            <a:avLst/>
+          </a:prstGeom>
+          <a:noFill/>
+        </p:spPr>
+        <p:txBody>
+          <a:bodyPr wrap="square" rtlCol="0">
+            <a:spAutoFit/>
+          </a:bodyPr>
+          <a:lstStyle/>
+          <a:p>
+            <a:r>
+              <a:rPr lang="en-US" sz="1000" dirty="0"/>
+              <a:t>https://</a:t>
+            </a:r>
+            <a:r>
+              <a:rPr lang="en-US" sz="1000" dirty="0" err="1"/>
+              <a:t>expertinsights.com</a:t>
+            </a:r>
+            <a:r>
+              <a:rPr lang="en-US" sz="1000" dirty="0"/>
+              <a:t>/insights/5-reasons-you-should-never-reuse-passwords/</a:t>
             </a:r>
           </a:p>
         </p:txBody>
